--- a/docs/simpleitkHistoricalOverview.pptx
+++ b/docs/simpleitkHistoricalOverview.pptx
@@ -5,23 +5,24 @@
     <p:sldMasterId id="2147483708" r:id="rId1"/>
   </p:sldMasterIdLst>
   <p:notesMasterIdLst>
-    <p:notesMasterId r:id="rId13"/>
+    <p:notesMasterId r:id="rId14"/>
   </p:notesMasterIdLst>
   <p:handoutMasterIdLst>
-    <p:handoutMasterId r:id="rId14"/>
+    <p:handoutMasterId r:id="rId15"/>
   </p:handoutMasterIdLst>
   <p:sldIdLst>
     <p:sldId id="488" r:id="rId2"/>
-    <p:sldId id="493" r:id="rId3"/>
+    <p:sldId id="497" r:id="rId3"/>
     <p:sldId id="444" r:id="rId4"/>
     <p:sldId id="446" r:id="rId5"/>
-    <p:sldId id="448" r:id="rId6"/>
-    <p:sldId id="443" r:id="rId7"/>
-    <p:sldId id="453" r:id="rId8"/>
-    <p:sldId id="485" r:id="rId9"/>
-    <p:sldId id="463" r:id="rId10"/>
-    <p:sldId id="487" r:id="rId11"/>
-    <p:sldId id="486" r:id="rId12"/>
+    <p:sldId id="498" r:id="rId6"/>
+    <p:sldId id="448" r:id="rId7"/>
+    <p:sldId id="443" r:id="rId8"/>
+    <p:sldId id="453" r:id="rId9"/>
+    <p:sldId id="485" r:id="rId10"/>
+    <p:sldId id="463" r:id="rId11"/>
+    <p:sldId id="487" r:id="rId12"/>
+    <p:sldId id="486" r:id="rId13"/>
   </p:sldIdLst>
   <p:sldSz cx="9144000" cy="5143500" type="screen16x9"/>
   <p:notesSz cx="6858000" cy="9144000"/>
@@ -264,7 +265,7 @@
               <a:pPr>
                 <a:defRPr/>
               </a:pPr>
-              <a:t>12/19/18</a:t>
+              <a:t>1/8/19</a:t>
             </a:fld>
             <a:endParaRPr lang="en-US"/>
           </a:p>
@@ -467,7 +468,7 @@
               <a:pPr>
                 <a:defRPr/>
               </a:pPr>
-              <a:t>12/19/18</a:t>
+              <a:t>1/8/19</a:t>
             </a:fld>
             <a:endParaRPr lang="en-US"/>
           </a:p>
@@ -963,7 +964,7 @@
               <a:pPr>
                 <a:defRPr/>
               </a:pPr>
-              <a:t>5</a:t>
+              <a:t>6</a:t>
             </a:fld>
             <a:endParaRPr lang="en-US"/>
           </a:p>
@@ -1058,7 +1059,7 @@
               <a:pPr>
                 <a:defRPr/>
               </a:pPr>
-              <a:t>6</a:t>
+              <a:t>7</a:t>
             </a:fld>
             <a:endParaRPr lang="en-US"/>
           </a:p>
@@ -1153,7 +1154,7 @@
               <a:pPr>
                 <a:defRPr/>
               </a:pPr>
-              <a:t>7</a:t>
+              <a:t>8</a:t>
             </a:fld>
             <a:endParaRPr lang="en-US"/>
           </a:p>
@@ -1723,7 +1724,7 @@
               <a:pPr>
                 <a:defRPr/>
               </a:pPr>
-              <a:t>9</a:t>
+              <a:t>10</a:t>
             </a:fld>
             <a:endParaRPr lang="en-US"/>
           </a:p>
@@ -1931,7 +1932,7 @@
               <a:pPr>
                 <a:defRPr/>
               </a:pPr>
-              <a:t>12/19/18</a:t>
+              <a:t>1/8/19</a:t>
             </a:fld>
             <a:endParaRPr lang="en-US"/>
           </a:p>
@@ -2126,7 +2127,7 @@
               <a:pPr>
                 <a:defRPr/>
               </a:pPr>
-              <a:t>12/19/18</a:t>
+              <a:t>1/8/19</a:t>
             </a:fld>
             <a:endParaRPr lang="en-US"/>
           </a:p>
@@ -2331,7 +2332,7 @@
               <a:pPr>
                 <a:defRPr/>
               </a:pPr>
-              <a:t>12/19/18</a:t>
+              <a:t>1/8/19</a:t>
             </a:fld>
             <a:endParaRPr lang="en-US"/>
           </a:p>
@@ -2595,7 +2596,7 @@
               <a:pPr>
                 <a:defRPr/>
               </a:pPr>
-              <a:t>12/19/18</a:t>
+              <a:t>1/8/19</a:t>
             </a:fld>
             <a:endParaRPr lang="en-US"/>
           </a:p>
@@ -2867,7 +2868,7 @@
               <a:pPr>
                 <a:defRPr/>
               </a:pPr>
-              <a:t>12/19/18</a:t>
+              <a:t>1/8/19</a:t>
             </a:fld>
             <a:endParaRPr lang="en-US"/>
           </a:p>
@@ -3248,7 +3249,7 @@
               <a:pPr>
                 <a:defRPr/>
               </a:pPr>
-              <a:t>12/19/18</a:t>
+              <a:t>1/8/19</a:t>
             </a:fld>
             <a:endParaRPr lang="en-US"/>
           </a:p>
@@ -3763,7 +3764,7 @@
               <a:pPr>
                 <a:defRPr/>
               </a:pPr>
-              <a:t>12/19/18</a:t>
+              <a:t>1/8/19</a:t>
             </a:fld>
             <a:endParaRPr lang="en-US"/>
           </a:p>
@@ -3976,7 +3977,7 @@
               <a:pPr>
                 <a:defRPr/>
               </a:pPr>
-              <a:t>12/19/18</a:t>
+              <a:t>1/8/19</a:t>
             </a:fld>
             <a:endParaRPr lang="en-US"/>
           </a:p>
@@ -4098,7 +4099,7 @@
               <a:pPr>
                 <a:defRPr/>
               </a:pPr>
-              <a:t>12/19/18</a:t>
+              <a:t>1/8/19</a:t>
             </a:fld>
             <a:endParaRPr lang="en-US"/>
           </a:p>
@@ -4400,7 +4401,7 @@
               <a:pPr>
                 <a:defRPr/>
               </a:pPr>
-              <a:t>12/19/18</a:t>
+              <a:t>1/8/19</a:t>
             </a:fld>
             <a:endParaRPr lang="en-US"/>
           </a:p>
@@ -4682,7 +4683,7 @@
               <a:pPr>
                 <a:defRPr/>
               </a:pPr>
-              <a:t>12/19/18</a:t>
+              <a:t>1/8/19</a:t>
             </a:fld>
             <a:endParaRPr lang="en-US"/>
           </a:p>
@@ -4998,7 +4999,7 @@
               <a:pPr>
                 <a:defRPr/>
               </a:pPr>
-              <a:t>12/19/18</a:t>
+              <a:t>1/8/19</a:t>
             </a:fld>
             <a:endParaRPr lang="en-US"/>
           </a:p>
@@ -5713,6 +5714,260 @@
           <a:chExt cx="0" cy="0"/>
         </a:xfrm>
       </p:grpSpPr>
+      <p:pic>
+        <p:nvPicPr>
+          <p:cNvPr id="5" name="Picture 4">
+            <a:extLst>
+              <a:ext uri="{FF2B5EF4-FFF2-40B4-BE49-F238E27FC236}">
+                <a16:creationId xmlns:a16="http://schemas.microsoft.com/office/drawing/2014/main" id="{5372FFE5-E22B-8644-9731-B07AE761AA0D}"/>
+              </a:ext>
+            </a:extLst>
+          </p:cNvPr>
+          <p:cNvPicPr>
+            <a:picLocks noChangeAspect="1"/>
+          </p:cNvPicPr>
+          <p:nvPr/>
+        </p:nvPicPr>
+        <p:blipFill>
+          <a:blip r:embed="rId3">
+            <a:extLst>
+              <a:ext uri="{28A0092B-C50C-407E-A947-70E740481C1C}">
+                <a14:useLocalDpi xmlns:a14="http://schemas.microsoft.com/office/drawing/2010/main" val="0"/>
+              </a:ext>
+            </a:extLst>
+          </a:blip>
+          <a:stretch>
+            <a:fillRect/>
+          </a:stretch>
+        </p:blipFill>
+        <p:spPr>
+          <a:xfrm>
+            <a:off x="5976355" y="1219201"/>
+            <a:ext cx="3091445" cy="3943349"/>
+          </a:xfrm>
+          <a:prstGeom prst="rect">
+            <a:avLst/>
+          </a:prstGeom>
+        </p:spPr>
+      </p:pic>
+      <p:sp>
+        <p:nvSpPr>
+          <p:cNvPr id="2" name="Title 1"/>
+          <p:cNvSpPr>
+            <a:spLocks noGrp="1"/>
+          </p:cNvSpPr>
+          <p:nvPr>
+            <p:ph type="title"/>
+          </p:nvPr>
+        </p:nvSpPr>
+        <p:spPr/>
+        <p:txBody>
+          <a:bodyPr/>
+          <a:lstStyle/>
+          <a:p>
+            <a:r>
+              <a:rPr lang="en-US" sz="3200" dirty="0" err="1"/>
+              <a:t>SimpleITK</a:t>
+            </a:r>
+            <a:r>
+              <a:rPr lang="en-US" sz="3200" dirty="0"/>
+              <a:t> by the Numbers</a:t>
+            </a:r>
+          </a:p>
+        </p:txBody>
+      </p:sp>
+      <p:sp>
+        <p:nvSpPr>
+          <p:cNvPr id="3" name="Content Placeholder 2"/>
+          <p:cNvSpPr>
+            <a:spLocks noGrp="1"/>
+          </p:cNvSpPr>
+          <p:nvPr>
+            <p:ph idx="1"/>
+          </p:nvPr>
+        </p:nvSpPr>
+        <p:spPr/>
+        <p:txBody>
+          <a:bodyPr/>
+          <a:lstStyle/>
+          <a:p>
+            <a:r>
+              <a:rPr lang="en-US" sz="1800" dirty="0"/>
+              <a:t>18 Minor releases, 1 Major release.</a:t>
+            </a:r>
+          </a:p>
+          <a:p>
+            <a:endParaRPr lang="en-US" sz="1000" dirty="0"/>
+          </a:p>
+          <a:p>
+            <a:r>
+              <a:rPr lang="en-US" sz="1800" dirty="0"/>
+              <a:t>35 Contributors.</a:t>
+            </a:r>
+          </a:p>
+          <a:p>
+            <a:endParaRPr lang="en-US" sz="1000" dirty="0"/>
+          </a:p>
+          <a:p>
+            <a:r>
+              <a:rPr lang="en-US" sz="1800" dirty="0"/>
+              <a:t>9300 Commits.</a:t>
+            </a:r>
+          </a:p>
+          <a:p>
+            <a:endParaRPr lang="fi-FI" sz="1000" dirty="0"/>
+          </a:p>
+          <a:p>
+            <a:r>
+              <a:rPr lang="en-US" sz="1800" dirty="0"/>
+              <a:t>210,140</a:t>
+            </a:r>
+            <a:r>
+              <a:rPr lang="fi-FI" sz="1800" dirty="0"/>
+              <a:t> </a:t>
+            </a:r>
+            <a:r>
+              <a:rPr lang="fi-FI" sz="1800" dirty="0" err="1"/>
+              <a:t>lines</a:t>
+            </a:r>
+            <a:r>
+              <a:rPr lang="fi-FI" sz="1800" dirty="0"/>
+              <a:t> of </a:t>
+            </a:r>
+            <a:r>
+              <a:rPr lang="fi-FI" sz="1800" dirty="0" err="1"/>
+              <a:t>code</a:t>
+            </a:r>
+            <a:r>
+              <a:rPr lang="fi-FI" sz="1800" dirty="0"/>
+              <a:t>.</a:t>
+            </a:r>
+          </a:p>
+          <a:p>
+            <a:endParaRPr lang="fi-FI" sz="1000" dirty="0"/>
+          </a:p>
+          <a:p>
+            <a:r>
+              <a:rPr lang="fi-FI" sz="1800" dirty="0" err="1"/>
+              <a:t>Starred</a:t>
+            </a:r>
+            <a:r>
+              <a:rPr lang="fi-FI" sz="1800" dirty="0"/>
+              <a:t> on GitHub: main </a:t>
+            </a:r>
+            <a:r>
+              <a:rPr lang="fi-FI" sz="1800" dirty="0" err="1"/>
+              <a:t>repository</a:t>
+            </a:r>
+            <a:r>
+              <a:rPr lang="fi-FI" sz="1800" dirty="0"/>
+              <a:t> &gt; 220, </a:t>
+            </a:r>
+            <a:r>
+              <a:rPr lang="fi-FI" sz="1800" dirty="0" err="1"/>
+              <a:t>notebook</a:t>
+            </a:r>
+            <a:r>
+              <a:rPr lang="fi-FI" sz="1800" dirty="0"/>
+              <a:t> </a:t>
+            </a:r>
+            <a:br>
+              <a:rPr lang="fi-FI" sz="1800" dirty="0"/>
+            </a:br>
+            <a:r>
+              <a:rPr lang="fi-FI" sz="1800" dirty="0" err="1"/>
+              <a:t>repository</a:t>
+            </a:r>
+            <a:r>
+              <a:rPr lang="fi-FI" sz="1800" dirty="0"/>
+              <a:t> &gt;190.</a:t>
+            </a:r>
+            <a:endParaRPr lang="en-US" sz="1800" dirty="0"/>
+          </a:p>
+          <a:p>
+            <a:endParaRPr lang="en-US" sz="1000" dirty="0"/>
+          </a:p>
+          <a:p>
+            <a:r>
+              <a:rPr lang="en-US" sz="1800" dirty="0"/>
+              <a:t>More </a:t>
+            </a:r>
+            <a:r>
+              <a:rPr lang="en-US" sz="1800"/>
+              <a:t>than 197,000 </a:t>
+            </a:r>
+            <a:r>
+              <a:rPr lang="en-US" sz="1800" dirty="0"/>
+              <a:t>downloads since 1/2013.</a:t>
+            </a:r>
+          </a:p>
+        </p:txBody>
+      </p:sp>
+      <p:sp>
+        <p:nvSpPr>
+          <p:cNvPr id="6" name="TextBox 5">
+            <a:extLst>
+              <a:ext uri="{FF2B5EF4-FFF2-40B4-BE49-F238E27FC236}">
+                <a16:creationId xmlns:a16="http://schemas.microsoft.com/office/drawing/2014/main" id="{1EA2DDD9-39BC-C641-9920-34CE87CC9F2C}"/>
+              </a:ext>
+            </a:extLst>
+          </p:cNvPr>
+          <p:cNvSpPr txBox="1"/>
+          <p:nvPr/>
+        </p:nvSpPr>
+        <p:spPr>
+          <a:xfrm>
+            <a:off x="5945595" y="937499"/>
+            <a:ext cx="2133982" cy="369332"/>
+          </a:xfrm>
+          <a:prstGeom prst="rect">
+            <a:avLst/>
+          </a:prstGeom>
+          <a:noFill/>
+        </p:spPr>
+        <p:txBody>
+          <a:bodyPr wrap="none" rtlCol="0">
+            <a:spAutoFit/>
+          </a:bodyPr>
+          <a:lstStyle/>
+          <a:p>
+            <a:r>
+              <a:rPr lang="en-US" dirty="0"/>
+              <a:t>A week in 12/2018:</a:t>
+            </a:r>
+          </a:p>
+        </p:txBody>
+      </p:sp>
+    </p:spTree>
+    <p:extLst>
+      <p:ext uri="{BB962C8B-B14F-4D97-AF65-F5344CB8AC3E}">
+        <p14:creationId xmlns:p14="http://schemas.microsoft.com/office/powerpoint/2010/main" val="484344593"/>
+      </p:ext>
+    </p:extLst>
+  </p:cSld>
+  <p:clrMapOvr>
+    <a:masterClrMapping/>
+  </p:clrMapOvr>
+</p:sld>
+</file>
+
+<file path=ppt/slides/slide11.xml><?xml version="1.0" encoding="utf-8"?>
+<p:sld xmlns:a="http://schemas.openxmlformats.org/drawingml/2006/main" xmlns:r="http://schemas.openxmlformats.org/officeDocument/2006/relationships" xmlns:p="http://schemas.openxmlformats.org/presentationml/2006/main">
+  <p:cSld>
+    <p:spTree>
+      <p:nvGrpSpPr>
+        <p:cNvPr id="1" name=""/>
+        <p:cNvGrpSpPr/>
+        <p:nvPr/>
+      </p:nvGrpSpPr>
+      <p:grpSpPr>
+        <a:xfrm>
+          <a:off x="0" y="0"/>
+          <a:ext cx="0" cy="0"/>
+          <a:chOff x="0" y="0"/>
+          <a:chExt cx="0" cy="0"/>
+        </a:xfrm>
+      </p:grpSpPr>
       <p:sp>
         <p:nvSpPr>
           <p:cNvPr id="2" name="Title 1">
@@ -6086,7 +6341,7 @@
 </p:sld>
 </file>
 
-<file path=ppt/slides/slide11.xml><?xml version="1.0" encoding="utf-8"?>
+<file path=ppt/slides/slide12.xml><?xml version="1.0" encoding="utf-8"?>
 <p:sld xmlns:a="http://schemas.openxmlformats.org/drawingml/2006/main" xmlns:r="http://schemas.openxmlformats.org/officeDocument/2006/relationships" xmlns:p="http://schemas.openxmlformats.org/presentationml/2006/main">
   <p:cSld>
     <p:spTree>
@@ -6430,6 +6685,17 @@
               </a:lnSpc>
             </a:pPr>
             <a:r>
+              <a:rPr lang="en-US" sz="2000" dirty="0">
+                <a:solidFill>
+                  <a:schemeClr val="tx1"/>
+                </a:solidFill>
+                <a:latin typeface="Arial" charset="0"/>
+                <a:ea typeface="ＭＳ Ｐゴシック" pitchFamily="34" charset="-128"/>
+                <a:cs typeface="Arial" charset="0"/>
+              </a:rPr>
+              <a:t>Ziv Yaniv</a:t>
+            </a:r>
+            <a:r>
               <a:rPr lang="en-US" sz="2000" baseline="30000" dirty="0">
                 <a:solidFill>
                   <a:schemeClr val="tx1"/>
@@ -6449,7 +6715,7 @@
                 <a:ea typeface="ＭＳ Ｐゴシック" pitchFamily="34" charset="-128"/>
                 <a:cs typeface="Arial" charset="0"/>
               </a:rPr>
-              <a:t>Ziv Yaniv , </a:t>
+              <a:t> , Bradley C. Lowekamp</a:t>
             </a:r>
             <a:r>
               <a:rPr lang="en-US" sz="2000" baseline="30000" dirty="0">
@@ -6460,29 +6726,7 @@
                 <a:ea typeface="ＭＳ Ｐゴシック" pitchFamily="34" charset="-128"/>
                 <a:cs typeface="Arial" charset="0"/>
               </a:rPr>
-              <a:t>1,3</a:t>
-            </a:r>
-            <a:r>
-              <a:rPr lang="en-US" sz="2000" dirty="0">
-                <a:solidFill>
-                  <a:schemeClr val="tx1"/>
-                </a:solidFill>
-                <a:latin typeface="Arial" charset="0"/>
-                <a:ea typeface="ＭＳ Ｐゴシック" pitchFamily="34" charset="-128"/>
-                <a:cs typeface="Arial" charset="0"/>
-              </a:rPr>
-              <a:t>Bradley C. </a:t>
-            </a:r>
-            <a:r>
-              <a:rPr lang="en-US" sz="2000" dirty="0" err="1">
-                <a:solidFill>
-                  <a:schemeClr val="tx1"/>
-                </a:solidFill>
-                <a:latin typeface="Arial" charset="0"/>
-                <a:ea typeface="ＭＳ Ｐゴシック" pitchFamily="34" charset="-128"/>
-                <a:cs typeface="Arial" charset="0"/>
-              </a:rPr>
-              <a:t>Lowekamp</a:t>
+              <a:t>1,2</a:t>
             </a:r>
             <a:endParaRPr lang="en-US" sz="2000" dirty="0">
               <a:solidFill>
@@ -6566,44 +6810,7 @@
                 <a:ea typeface="ＭＳ Ｐゴシック" pitchFamily="34" charset="-128"/>
                 <a:cs typeface="Arial" charset="0"/>
               </a:rPr>
-              <a:t>TAJ Technologies Inc.</a:t>
-            </a:r>
-            <a:endParaRPr lang="en-US" sz="800" dirty="0">
-              <a:solidFill>
-                <a:schemeClr val="tx1"/>
-              </a:solidFill>
-              <a:latin typeface="Arial" charset="0"/>
-              <a:ea typeface="ＭＳ Ｐゴシック" pitchFamily="34" charset="-128"/>
-              <a:cs typeface="Arial" charset="0"/>
-            </a:endParaRPr>
-          </a:p>
-          <a:p>
-            <a:pPr eaLnBrk="1" hangingPunct="1">
-              <a:lnSpc>
-                <a:spcPct val="80000"/>
-              </a:lnSpc>
-            </a:pPr>
-            <a:r>
-              <a:rPr lang="en-US" sz="2000" baseline="30000" dirty="0">
-                <a:solidFill>
-                  <a:schemeClr val="tx1"/>
-                </a:solidFill>
-                <a:latin typeface="Arial" charset="0"/>
-                <a:ea typeface="ＭＳ Ｐゴシック" pitchFamily="34" charset="-128"/>
-                <a:cs typeface="Arial" charset="0"/>
-              </a:rPr>
-              <a:t>3</a:t>
-            </a:r>
-            <a:r>
-              <a:rPr lang="en-US" sz="2000" dirty="0">
-                <a:solidFill>
-                  <a:schemeClr val="tx1"/>
-                </a:solidFill>
-                <a:latin typeface="Arial" charset="0"/>
-                <a:ea typeface="ＭＳ Ｐゴシック" pitchFamily="34" charset="-128"/>
-                <a:cs typeface="Arial" charset="0"/>
-              </a:rPr>
-              <a:t>MSC LLC</a:t>
+              <a:t>Medical Science and Computing LLC</a:t>
             </a:r>
           </a:p>
           <a:p>
@@ -6625,66 +6832,6 @@
       </p:sp>
       <p:pic>
         <p:nvPicPr>
-          <p:cNvPr id="8" name="Picture 7" descr="nlm.png"/>
-          <p:cNvPicPr>
-            <a:picLocks noChangeAspect="1"/>
-          </p:cNvPicPr>
-          <p:nvPr/>
-        </p:nvPicPr>
-        <p:blipFill>
-          <a:blip r:embed="rId2" cstate="print">
-            <a:extLst>
-              <a:ext uri="{28A0092B-C50C-407E-A947-70E740481C1C}">
-                <a14:useLocalDpi xmlns:a14="http://schemas.microsoft.com/office/drawing/2010/main" val="0"/>
-              </a:ext>
-            </a:extLst>
-          </a:blip>
-          <a:stretch>
-            <a:fillRect/>
-          </a:stretch>
-        </p:blipFill>
-        <p:spPr>
-          <a:xfrm>
-            <a:off x="1266458" y="3854406"/>
-            <a:ext cx="1763592" cy="1289096"/>
-          </a:xfrm>
-          <a:prstGeom prst="rect">
-            <a:avLst/>
-          </a:prstGeom>
-        </p:spPr>
-      </p:pic>
-      <p:pic>
-        <p:nvPicPr>
-          <p:cNvPr id="11" name="Picture 10"/>
-          <p:cNvPicPr>
-            <a:picLocks noChangeAspect="1"/>
-          </p:cNvPicPr>
-          <p:nvPr/>
-        </p:nvPicPr>
-        <p:blipFill>
-          <a:blip r:embed="rId3" cstate="print">
-            <a:extLst>
-              <a:ext uri="{28A0092B-C50C-407E-A947-70E740481C1C}">
-                <a14:useLocalDpi xmlns:a14="http://schemas.microsoft.com/office/drawing/2010/main" val="0"/>
-              </a:ext>
-            </a:extLst>
-          </a:blip>
-          <a:stretch>
-            <a:fillRect/>
-          </a:stretch>
-        </p:blipFill>
-        <p:spPr>
-          <a:xfrm>
-            <a:off x="4296508" y="4159950"/>
-            <a:ext cx="685800" cy="678008"/>
-          </a:xfrm>
-          <a:prstGeom prst="rect">
-            <a:avLst/>
-          </a:prstGeom>
-        </p:spPr>
-      </p:pic>
-      <p:pic>
-        <p:nvPicPr>
           <p:cNvPr id="13" name="Picture 2" descr="SC"/>
           <p:cNvPicPr>
             <a:picLocks noChangeAspect="1" noChangeArrowheads="1"/>
@@ -6692,7 +6839,7 @@
           <p:nvPr/>
         </p:nvPicPr>
         <p:blipFill>
-          <a:blip r:embed="rId4">
+          <a:blip r:embed="rId2">
             <a:extLst>
               <a:ext uri="{28A0092B-C50C-407E-A947-70E740481C1C}">
                 <a14:useLocalDpi xmlns:a14="http://schemas.microsoft.com/office/drawing/2010/main" val="0"/>
@@ -6706,7 +6853,7 @@
         </p:blipFill>
         <p:spPr bwMode="auto">
           <a:xfrm>
-            <a:off x="6248766" y="4145510"/>
+            <a:off x="6240300" y="4164827"/>
             <a:ext cx="1628775" cy="706889"/>
           </a:xfrm>
           <a:prstGeom prst="rect">
@@ -6724,10 +6871,46 @@
           </a:extLst>
         </p:spPr>
       </p:pic>
+      <p:pic>
+        <p:nvPicPr>
+          <p:cNvPr id="3" name="Picture 2">
+            <a:extLst>
+              <a:ext uri="{FF2B5EF4-FFF2-40B4-BE49-F238E27FC236}">
+                <a16:creationId xmlns:a16="http://schemas.microsoft.com/office/drawing/2014/main" id="{7AD5404A-B818-F945-BC01-8B0774EA6F19}"/>
+              </a:ext>
+            </a:extLst>
+          </p:cNvPr>
+          <p:cNvPicPr>
+            <a:picLocks noChangeAspect="1"/>
+          </p:cNvPicPr>
+          <p:nvPr/>
+        </p:nvPicPr>
+        <p:blipFill>
+          <a:blip r:embed="rId3">
+            <a:extLst>
+              <a:ext uri="{28A0092B-C50C-407E-A947-70E740481C1C}">
+                <a14:useLocalDpi xmlns:a14="http://schemas.microsoft.com/office/drawing/2010/main" val="0"/>
+              </a:ext>
+            </a:extLst>
+          </a:blip>
+          <a:stretch>
+            <a:fillRect/>
+          </a:stretch>
+        </p:blipFill>
+        <p:spPr>
+          <a:xfrm>
+            <a:off x="591802" y="4159950"/>
+            <a:ext cx="3112904" cy="759412"/>
+          </a:xfrm>
+          <a:prstGeom prst="rect">
+            <a:avLst/>
+          </a:prstGeom>
+        </p:spPr>
+      </p:pic>
     </p:spTree>
     <p:extLst>
       <p:ext uri="{BB962C8B-B14F-4D97-AF65-F5344CB8AC3E}">
-        <p14:creationId xmlns:p14="http://schemas.microsoft.com/office/powerpoint/2010/main" val="205849805"/>
+        <p14:creationId xmlns:p14="http://schemas.microsoft.com/office/powerpoint/2010/main" val="2176924562"/>
       </p:ext>
     </p:extLst>
   </p:cSld>
@@ -7202,6 +7385,366 @@
       </p:grpSpPr>
       <p:sp>
         <p:nvSpPr>
+          <p:cNvPr id="4" name="Title 3">
+            <a:extLst>
+              <a:ext uri="{FF2B5EF4-FFF2-40B4-BE49-F238E27FC236}">
+                <a16:creationId xmlns:a16="http://schemas.microsoft.com/office/drawing/2014/main" id="{E03D8035-7A03-854D-AC6A-D5D0E628BCA5}"/>
+              </a:ext>
+            </a:extLst>
+          </p:cNvPr>
+          <p:cNvSpPr>
+            <a:spLocks noGrp="1"/>
+          </p:cNvSpPr>
+          <p:nvPr>
+            <p:ph type="ctrTitle"/>
+          </p:nvPr>
+        </p:nvSpPr>
+        <p:spPr>
+          <a:xfrm>
+            <a:off x="609600" y="2688431"/>
+            <a:ext cx="7772400" cy="1102519"/>
+          </a:xfrm>
+        </p:spPr>
+        <p:txBody>
+          <a:bodyPr/>
+          <a:lstStyle/>
+          <a:p>
+            <a:r>
+              <a:rPr lang="en-US" sz="3600" dirty="0"/>
+              <a:t>The Visible Human Project at its</a:t>
+            </a:r>
+            <a:br>
+              <a:rPr lang="en-US" sz="3600" dirty="0"/>
+            </a:br>
+            <a:r>
+              <a:rPr lang="en-US" sz="3600" dirty="0"/>
+              <a:t>25th Year Anniversary</a:t>
+            </a:r>
+            <a:br>
+              <a:rPr lang="en-US" sz="3600" dirty="0"/>
+            </a:br>
+            <a:endParaRPr lang="en-US" sz="3600" dirty="0"/>
+          </a:p>
+        </p:txBody>
+      </p:sp>
+      <p:sp>
+        <p:nvSpPr>
+          <p:cNvPr id="5" name="Subtitle 4">
+            <a:extLst>
+              <a:ext uri="{FF2B5EF4-FFF2-40B4-BE49-F238E27FC236}">
+                <a16:creationId xmlns:a16="http://schemas.microsoft.com/office/drawing/2014/main" id="{DFEA2C62-489B-2C44-B6F1-8317CB912DAF}"/>
+              </a:ext>
+            </a:extLst>
+          </p:cNvPr>
+          <p:cNvSpPr>
+            <a:spLocks noGrp="1"/>
+          </p:cNvSpPr>
+          <p:nvPr>
+            <p:ph type="subTitle" idx="1"/>
+          </p:nvPr>
+        </p:nvSpPr>
+        <p:spPr>
+          <a:xfrm>
+            <a:off x="228600" y="1316567"/>
+            <a:ext cx="8229600" cy="533400"/>
+          </a:xfrm>
+        </p:spPr>
+        <p:txBody>
+          <a:bodyPr/>
+          <a:lstStyle/>
+          <a:p>
+            <a:pPr algn="l"/>
+            <a:r>
+              <a:rPr lang="en-US" dirty="0">
+                <a:solidFill>
+                  <a:schemeClr val="tx1"/>
+                </a:solidFill>
+              </a:rPr>
+              <a:t>Workshop Immediately After This Course </a:t>
+            </a:r>
+            <a:r>
+              <a:rPr lang="en-US" sz="2000" dirty="0">
+                <a:solidFill>
+                  <a:schemeClr val="tx1"/>
+                </a:solidFill>
+              </a:rPr>
+              <a:t>(5:45 PM - 7:45 PM):</a:t>
+            </a:r>
+          </a:p>
+        </p:txBody>
+      </p:sp>
+      <p:sp>
+        <p:nvSpPr>
+          <p:cNvPr id="6" name="Subtitle 4">
+            <a:extLst>
+              <a:ext uri="{FF2B5EF4-FFF2-40B4-BE49-F238E27FC236}">
+                <a16:creationId xmlns:a16="http://schemas.microsoft.com/office/drawing/2014/main" id="{8751AA1C-AEF2-2542-B06E-E63578683A44}"/>
+              </a:ext>
+            </a:extLst>
+          </p:cNvPr>
+          <p:cNvSpPr txBox="1">
+            <a:spLocks/>
+          </p:cNvSpPr>
+          <p:nvPr/>
+        </p:nvSpPr>
+        <p:spPr bwMode="auto">
+          <a:xfrm>
+            <a:off x="228600" y="402431"/>
+            <a:ext cx="8229600" cy="304800"/>
+          </a:xfrm>
+          <a:prstGeom prst="rect">
+            <a:avLst/>
+          </a:prstGeom>
+          <a:noFill/>
+          <a:ln>
+            <a:noFill/>
+          </a:ln>
+          <a:extLst>
+            <a:ext uri="{909E8E84-426E-40DD-AFC4-6F175D3DCCD1}">
+              <a14:hiddenFill xmlns:a14="http://schemas.microsoft.com/office/drawing/2010/main">
+                <a:solidFill>
+                  <a:srgbClr val="FFFFFF"/>
+                </a:solidFill>
+              </a14:hiddenFill>
+            </a:ext>
+            <a:ext uri="{91240B29-F687-4F45-9708-019B960494DF}">
+              <a14:hiddenLine xmlns:a14="http://schemas.microsoft.com/office/drawing/2010/main" w="9525">
+                <a:solidFill>
+                  <a:srgbClr val="000000"/>
+                </a:solidFill>
+                <a:miter lim="800000"/>
+                <a:headEnd/>
+                <a:tailEnd/>
+              </a14:hiddenLine>
+            </a:ext>
+          </a:extLst>
+        </p:spPr>
+        <p:txBody>
+          <a:bodyPr vert="horz" wrap="square" lIns="91440" tIns="45720" rIns="91440" bIns="45720" numCol="1" anchor="t" anchorCtr="0" compatLnSpc="1">
+            <a:prstTxWarp prst="textNoShape">
+              <a:avLst/>
+            </a:prstTxWarp>
+          </a:bodyPr>
+          <a:lstStyle>
+            <a:lvl1pPr marL="0" indent="0" algn="ctr" rtl="0" eaLnBrk="0" fontAlgn="base" hangingPunct="0">
+              <a:spcBef>
+                <a:spcPct val="20000"/>
+              </a:spcBef>
+              <a:spcAft>
+                <a:spcPct val="0"/>
+              </a:spcAft>
+              <a:buFont typeface="Arial" charset="0"/>
+              <a:buNone/>
+              <a:defRPr sz="2400" kern="1200">
+                <a:solidFill>
+                  <a:schemeClr val="tx1">
+                    <a:tint val="75000"/>
+                  </a:schemeClr>
+                </a:solidFill>
+                <a:latin typeface="Arial" pitchFamily="34" charset="0"/>
+                <a:ea typeface="+mn-ea"/>
+                <a:cs typeface="Arial" pitchFamily="34" charset="0"/>
+              </a:defRPr>
+            </a:lvl1pPr>
+            <a:lvl2pPr marL="342900" indent="0" algn="ctr" rtl="0" eaLnBrk="0" fontAlgn="base" hangingPunct="0">
+              <a:spcBef>
+                <a:spcPct val="20000"/>
+              </a:spcBef>
+              <a:spcAft>
+                <a:spcPct val="0"/>
+              </a:spcAft>
+              <a:buFont typeface="Arial" charset="0"/>
+              <a:buNone/>
+              <a:defRPr sz="2100" kern="1200">
+                <a:solidFill>
+                  <a:schemeClr val="tx1">
+                    <a:tint val="75000"/>
+                  </a:schemeClr>
+                </a:solidFill>
+                <a:latin typeface="Arial" pitchFamily="34" charset="0"/>
+                <a:ea typeface="+mn-ea"/>
+                <a:cs typeface="Arial" pitchFamily="34" charset="0"/>
+              </a:defRPr>
+            </a:lvl2pPr>
+            <a:lvl3pPr marL="685800" indent="0" algn="ctr" rtl="0" eaLnBrk="0" fontAlgn="base" hangingPunct="0">
+              <a:spcBef>
+                <a:spcPct val="20000"/>
+              </a:spcBef>
+              <a:spcAft>
+                <a:spcPct val="0"/>
+              </a:spcAft>
+              <a:buFont typeface="Arial" charset="0"/>
+              <a:buNone/>
+              <a:defRPr sz="1800" kern="1200">
+                <a:solidFill>
+                  <a:schemeClr val="tx1">
+                    <a:tint val="75000"/>
+                  </a:schemeClr>
+                </a:solidFill>
+                <a:latin typeface="Arial" pitchFamily="34" charset="0"/>
+                <a:ea typeface="+mn-ea"/>
+                <a:cs typeface="Arial" pitchFamily="34" charset="0"/>
+              </a:defRPr>
+            </a:lvl3pPr>
+            <a:lvl4pPr marL="1028700" indent="0" algn="ctr" rtl="0" eaLnBrk="0" fontAlgn="base" hangingPunct="0">
+              <a:spcBef>
+                <a:spcPct val="20000"/>
+              </a:spcBef>
+              <a:spcAft>
+                <a:spcPct val="0"/>
+              </a:spcAft>
+              <a:buFont typeface="Arial" charset="0"/>
+              <a:buNone/>
+              <a:defRPr sz="1500" kern="1200">
+                <a:solidFill>
+                  <a:schemeClr val="tx1">
+                    <a:tint val="75000"/>
+                  </a:schemeClr>
+                </a:solidFill>
+                <a:latin typeface="Arial" pitchFamily="34" charset="0"/>
+                <a:ea typeface="+mn-ea"/>
+                <a:cs typeface="Arial" pitchFamily="34" charset="0"/>
+              </a:defRPr>
+            </a:lvl4pPr>
+            <a:lvl5pPr marL="1371600" indent="0" algn="ctr" rtl="0" eaLnBrk="0" fontAlgn="base" hangingPunct="0">
+              <a:spcBef>
+                <a:spcPct val="20000"/>
+              </a:spcBef>
+              <a:spcAft>
+                <a:spcPct val="0"/>
+              </a:spcAft>
+              <a:buFont typeface="Arial" charset="0"/>
+              <a:buNone/>
+              <a:defRPr sz="1500" kern="1200">
+                <a:solidFill>
+                  <a:schemeClr val="tx1">
+                    <a:tint val="75000"/>
+                  </a:schemeClr>
+                </a:solidFill>
+                <a:latin typeface="Arial" pitchFamily="34" charset="0"/>
+                <a:ea typeface="+mn-ea"/>
+                <a:cs typeface="Arial" pitchFamily="34" charset="0"/>
+              </a:defRPr>
+            </a:lvl5pPr>
+            <a:lvl6pPr marL="1714500" indent="0" algn="ctr" defTabSz="685800" rtl="0" eaLnBrk="1" latinLnBrk="0" hangingPunct="1">
+              <a:spcBef>
+                <a:spcPct val="20000"/>
+              </a:spcBef>
+              <a:buFont typeface="Arial" pitchFamily="34" charset="0"/>
+              <a:buNone/>
+              <a:defRPr sz="1500" kern="1200">
+                <a:solidFill>
+                  <a:schemeClr val="tx1">
+                    <a:tint val="75000"/>
+                  </a:schemeClr>
+                </a:solidFill>
+                <a:latin typeface="+mn-lt"/>
+                <a:ea typeface="+mn-ea"/>
+                <a:cs typeface="+mn-cs"/>
+              </a:defRPr>
+            </a:lvl6pPr>
+            <a:lvl7pPr marL="2057400" indent="0" algn="ctr" defTabSz="685800" rtl="0" eaLnBrk="1" latinLnBrk="0" hangingPunct="1">
+              <a:spcBef>
+                <a:spcPct val="20000"/>
+              </a:spcBef>
+              <a:buFont typeface="Arial" pitchFamily="34" charset="0"/>
+              <a:buNone/>
+              <a:defRPr sz="1500" kern="1200">
+                <a:solidFill>
+                  <a:schemeClr val="tx1">
+                    <a:tint val="75000"/>
+                  </a:schemeClr>
+                </a:solidFill>
+                <a:latin typeface="+mn-lt"/>
+                <a:ea typeface="+mn-ea"/>
+                <a:cs typeface="+mn-cs"/>
+              </a:defRPr>
+            </a:lvl7pPr>
+            <a:lvl8pPr marL="2400300" indent="0" algn="ctr" defTabSz="685800" rtl="0" eaLnBrk="1" latinLnBrk="0" hangingPunct="1">
+              <a:spcBef>
+                <a:spcPct val="20000"/>
+              </a:spcBef>
+              <a:buFont typeface="Arial" pitchFamily="34" charset="0"/>
+              <a:buNone/>
+              <a:defRPr sz="1500" kern="1200">
+                <a:solidFill>
+                  <a:schemeClr val="tx1">
+                    <a:tint val="75000"/>
+                  </a:schemeClr>
+                </a:solidFill>
+                <a:latin typeface="+mn-lt"/>
+                <a:ea typeface="+mn-ea"/>
+                <a:cs typeface="+mn-cs"/>
+              </a:defRPr>
+            </a:lvl8pPr>
+            <a:lvl9pPr marL="2743200" indent="0" algn="ctr" defTabSz="685800" rtl="0" eaLnBrk="1" latinLnBrk="0" hangingPunct="1">
+              <a:spcBef>
+                <a:spcPct val="20000"/>
+              </a:spcBef>
+              <a:buFont typeface="Arial" pitchFamily="34" charset="0"/>
+              <a:buNone/>
+              <a:defRPr sz="1500" kern="1200">
+                <a:solidFill>
+                  <a:schemeClr val="tx1">
+                    <a:tint val="75000"/>
+                  </a:schemeClr>
+                </a:solidFill>
+                <a:latin typeface="+mn-lt"/>
+                <a:ea typeface="+mn-ea"/>
+                <a:cs typeface="+mn-cs"/>
+              </a:defRPr>
+            </a:lvl9pPr>
+          </a:lstStyle>
+          <a:p>
+            <a:pPr algn="l"/>
+            <a:r>
+              <a:rPr lang="en-US" sz="1400" dirty="0">
+                <a:solidFill>
+                  <a:schemeClr val="tx1"/>
+                </a:solidFill>
+              </a:rPr>
+              <a:t>Image-Guided Procedures, Robotic Interventions, and Modeling Conference</a:t>
+            </a:r>
+            <a:endParaRPr lang="en-US" sz="2000" dirty="0">
+              <a:solidFill>
+                <a:schemeClr val="tx1"/>
+              </a:solidFill>
+            </a:endParaRPr>
+          </a:p>
+        </p:txBody>
+      </p:sp>
+    </p:spTree>
+    <p:extLst>
+      <p:ext uri="{BB962C8B-B14F-4D97-AF65-F5344CB8AC3E}">
+        <p14:creationId xmlns:p14="http://schemas.microsoft.com/office/powerpoint/2010/main" val="246913808"/>
+      </p:ext>
+    </p:extLst>
+  </p:cSld>
+  <p:clrMapOvr>
+    <a:masterClrMapping/>
+  </p:clrMapOvr>
+</p:sld>
+</file>
+
+<file path=ppt/slides/slide6.xml><?xml version="1.0" encoding="utf-8"?>
+<p:sld xmlns:a="http://schemas.openxmlformats.org/drawingml/2006/main" xmlns:r="http://schemas.openxmlformats.org/officeDocument/2006/relationships" xmlns:p="http://schemas.openxmlformats.org/presentationml/2006/main">
+  <p:cSld>
+    <p:spTree>
+      <p:nvGrpSpPr>
+        <p:cNvPr id="1" name=""/>
+        <p:cNvGrpSpPr/>
+        <p:nvPr/>
+      </p:nvGrpSpPr>
+      <p:grpSpPr>
+        <a:xfrm>
+          <a:off x="0" y="0"/>
+          <a:ext cx="0" cy="0"/>
+          <a:chOff x="0" y="0"/>
+          <a:chExt cx="0" cy="0"/>
+        </a:xfrm>
+      </p:grpSpPr>
+      <p:sp>
+        <p:nvSpPr>
           <p:cNvPr id="2" name="Title 1"/>
           <p:cNvSpPr>
             <a:spLocks noGrp="1"/>
@@ -7420,7 +7963,7 @@
 </p:sld>
 </file>
 
-<file path=ppt/slides/slide6.xml><?xml version="1.0" encoding="utf-8"?>
+<file path=ppt/slides/slide7.xml><?xml version="1.0" encoding="utf-8"?>
 <p:sld xmlns:a="http://schemas.openxmlformats.org/drawingml/2006/main" xmlns:r="http://schemas.openxmlformats.org/officeDocument/2006/relationships" xmlns:p="http://schemas.openxmlformats.org/presentationml/2006/main">
   <p:cSld>
     <p:spTree>
@@ -7906,7 +8449,7 @@
 </p:sld>
 </file>
 
-<file path=ppt/slides/slide7.xml><?xml version="1.0" encoding="utf-8"?>
+<file path=ppt/slides/slide8.xml><?xml version="1.0" encoding="utf-8"?>
 <p:sld xmlns:a="http://schemas.openxmlformats.org/drawingml/2006/main" xmlns:r="http://schemas.openxmlformats.org/officeDocument/2006/relationships" xmlns:p="http://schemas.openxmlformats.org/presentationml/2006/main">
   <p:cSld>
     <p:spTree>
@@ -8263,7 +8806,7 @@
 </p:sld>
 </file>
 
-<file path=ppt/slides/slide8.xml><?xml version="1.0" encoding="utf-8"?>
+<file path=ppt/slides/slide9.xml><?xml version="1.0" encoding="utf-8"?>
 <p:sld xmlns:a="http://schemas.openxmlformats.org/drawingml/2006/main" xmlns:r="http://schemas.openxmlformats.org/officeDocument/2006/relationships" xmlns:p="http://schemas.openxmlformats.org/presentationml/2006/main">
   <p:cSld>
     <p:spTree>
@@ -9302,260 +9845,6 @@
     <p:extLst>
       <p:ext uri="{BB962C8B-B14F-4D97-AF65-F5344CB8AC3E}">
         <p14:creationId xmlns:p14="http://schemas.microsoft.com/office/powerpoint/2010/main" val="4169989982"/>
-      </p:ext>
-    </p:extLst>
-  </p:cSld>
-  <p:clrMapOvr>
-    <a:masterClrMapping/>
-  </p:clrMapOvr>
-</p:sld>
-</file>
-
-<file path=ppt/slides/slide9.xml><?xml version="1.0" encoding="utf-8"?>
-<p:sld xmlns:a="http://schemas.openxmlformats.org/drawingml/2006/main" xmlns:r="http://schemas.openxmlformats.org/officeDocument/2006/relationships" xmlns:p="http://schemas.openxmlformats.org/presentationml/2006/main">
-  <p:cSld>
-    <p:spTree>
-      <p:nvGrpSpPr>
-        <p:cNvPr id="1" name=""/>
-        <p:cNvGrpSpPr/>
-        <p:nvPr/>
-      </p:nvGrpSpPr>
-      <p:grpSpPr>
-        <a:xfrm>
-          <a:off x="0" y="0"/>
-          <a:ext cx="0" cy="0"/>
-          <a:chOff x="0" y="0"/>
-          <a:chExt cx="0" cy="0"/>
-        </a:xfrm>
-      </p:grpSpPr>
-      <p:pic>
-        <p:nvPicPr>
-          <p:cNvPr id="5" name="Picture 4">
-            <a:extLst>
-              <a:ext uri="{FF2B5EF4-FFF2-40B4-BE49-F238E27FC236}">
-                <a16:creationId xmlns:a16="http://schemas.microsoft.com/office/drawing/2014/main" id="{5372FFE5-E22B-8644-9731-B07AE761AA0D}"/>
-              </a:ext>
-            </a:extLst>
-          </p:cNvPr>
-          <p:cNvPicPr>
-            <a:picLocks noChangeAspect="1"/>
-          </p:cNvPicPr>
-          <p:nvPr/>
-        </p:nvPicPr>
-        <p:blipFill>
-          <a:blip r:embed="rId3">
-            <a:extLst>
-              <a:ext uri="{28A0092B-C50C-407E-A947-70E740481C1C}">
-                <a14:useLocalDpi xmlns:a14="http://schemas.microsoft.com/office/drawing/2010/main" val="0"/>
-              </a:ext>
-            </a:extLst>
-          </a:blip>
-          <a:stretch>
-            <a:fillRect/>
-          </a:stretch>
-        </p:blipFill>
-        <p:spPr>
-          <a:xfrm>
-            <a:off x="5976355" y="1219201"/>
-            <a:ext cx="3091445" cy="3943349"/>
-          </a:xfrm>
-          <a:prstGeom prst="rect">
-            <a:avLst/>
-          </a:prstGeom>
-        </p:spPr>
-      </p:pic>
-      <p:sp>
-        <p:nvSpPr>
-          <p:cNvPr id="2" name="Title 1"/>
-          <p:cNvSpPr>
-            <a:spLocks noGrp="1"/>
-          </p:cNvSpPr>
-          <p:nvPr>
-            <p:ph type="title"/>
-          </p:nvPr>
-        </p:nvSpPr>
-        <p:spPr/>
-        <p:txBody>
-          <a:bodyPr/>
-          <a:lstStyle/>
-          <a:p>
-            <a:r>
-              <a:rPr lang="en-US" sz="3200" dirty="0" err="1"/>
-              <a:t>SimpleITK</a:t>
-            </a:r>
-            <a:r>
-              <a:rPr lang="en-US" sz="3200" dirty="0"/>
-              <a:t> by the Numbers</a:t>
-            </a:r>
-          </a:p>
-        </p:txBody>
-      </p:sp>
-      <p:sp>
-        <p:nvSpPr>
-          <p:cNvPr id="3" name="Content Placeholder 2"/>
-          <p:cNvSpPr>
-            <a:spLocks noGrp="1"/>
-          </p:cNvSpPr>
-          <p:nvPr>
-            <p:ph idx="1"/>
-          </p:nvPr>
-        </p:nvSpPr>
-        <p:spPr/>
-        <p:txBody>
-          <a:bodyPr/>
-          <a:lstStyle/>
-          <a:p>
-            <a:r>
-              <a:rPr lang="en-US" sz="1800" dirty="0"/>
-              <a:t>18 Minor releases, 1 Major release.</a:t>
-            </a:r>
-          </a:p>
-          <a:p>
-            <a:endParaRPr lang="en-US" sz="1000" dirty="0"/>
-          </a:p>
-          <a:p>
-            <a:r>
-              <a:rPr lang="en-US" sz="1800" dirty="0"/>
-              <a:t>35 Contributors.</a:t>
-            </a:r>
-          </a:p>
-          <a:p>
-            <a:endParaRPr lang="en-US" sz="1000" dirty="0"/>
-          </a:p>
-          <a:p>
-            <a:r>
-              <a:rPr lang="en-US" sz="1800" dirty="0"/>
-              <a:t>9300 Commits.</a:t>
-            </a:r>
-          </a:p>
-          <a:p>
-            <a:endParaRPr lang="fi-FI" sz="1000" dirty="0"/>
-          </a:p>
-          <a:p>
-            <a:r>
-              <a:rPr lang="en-US" sz="1800" dirty="0"/>
-              <a:t>210,140</a:t>
-            </a:r>
-            <a:r>
-              <a:rPr lang="fi-FI" sz="1800" dirty="0"/>
-              <a:t> </a:t>
-            </a:r>
-            <a:r>
-              <a:rPr lang="fi-FI" sz="1800" dirty="0" err="1"/>
-              <a:t>lines</a:t>
-            </a:r>
-            <a:r>
-              <a:rPr lang="fi-FI" sz="1800" dirty="0"/>
-              <a:t> of </a:t>
-            </a:r>
-            <a:r>
-              <a:rPr lang="fi-FI" sz="1800" dirty="0" err="1"/>
-              <a:t>code</a:t>
-            </a:r>
-            <a:r>
-              <a:rPr lang="fi-FI" sz="1800" dirty="0"/>
-              <a:t>.</a:t>
-            </a:r>
-          </a:p>
-          <a:p>
-            <a:endParaRPr lang="fi-FI" sz="1000" dirty="0"/>
-          </a:p>
-          <a:p>
-            <a:r>
-              <a:rPr lang="fi-FI" sz="1800" dirty="0" err="1"/>
-              <a:t>Starred</a:t>
-            </a:r>
-            <a:r>
-              <a:rPr lang="fi-FI" sz="1800" dirty="0"/>
-              <a:t> on GitHub: main </a:t>
-            </a:r>
-            <a:r>
-              <a:rPr lang="fi-FI" sz="1800" dirty="0" err="1"/>
-              <a:t>repository</a:t>
-            </a:r>
-            <a:r>
-              <a:rPr lang="fi-FI" sz="1800" dirty="0"/>
-              <a:t> &gt; 220, </a:t>
-            </a:r>
-            <a:r>
-              <a:rPr lang="fi-FI" sz="1800" dirty="0" err="1"/>
-              <a:t>notebook</a:t>
-            </a:r>
-            <a:r>
-              <a:rPr lang="fi-FI" sz="1800" dirty="0"/>
-              <a:t> </a:t>
-            </a:r>
-            <a:br>
-              <a:rPr lang="fi-FI" sz="1800" dirty="0"/>
-            </a:br>
-            <a:r>
-              <a:rPr lang="fi-FI" sz="1800" dirty="0" err="1"/>
-              <a:t>repository</a:t>
-            </a:r>
-            <a:r>
-              <a:rPr lang="fi-FI" sz="1800" dirty="0"/>
-              <a:t> &gt;190.</a:t>
-            </a:r>
-            <a:endParaRPr lang="en-US" sz="1800" dirty="0"/>
-          </a:p>
-          <a:p>
-            <a:endParaRPr lang="en-US" sz="1000" dirty="0"/>
-          </a:p>
-          <a:p>
-            <a:r>
-              <a:rPr lang="en-US" sz="1800" dirty="0"/>
-              <a:t>More </a:t>
-            </a:r>
-            <a:r>
-              <a:rPr lang="en-US" sz="1800"/>
-              <a:t>than 197,000 </a:t>
-            </a:r>
-            <a:r>
-              <a:rPr lang="en-US" sz="1800" dirty="0"/>
-              <a:t>downloads since 1/2013.</a:t>
-            </a:r>
-          </a:p>
-        </p:txBody>
-      </p:sp>
-      <p:sp>
-        <p:nvSpPr>
-          <p:cNvPr id="6" name="TextBox 5">
-            <a:extLst>
-              <a:ext uri="{FF2B5EF4-FFF2-40B4-BE49-F238E27FC236}">
-                <a16:creationId xmlns:a16="http://schemas.microsoft.com/office/drawing/2014/main" id="{1EA2DDD9-39BC-C641-9920-34CE87CC9F2C}"/>
-              </a:ext>
-            </a:extLst>
-          </p:cNvPr>
-          <p:cNvSpPr txBox="1"/>
-          <p:nvPr/>
-        </p:nvSpPr>
-        <p:spPr>
-          <a:xfrm>
-            <a:off x="5945595" y="937499"/>
-            <a:ext cx="2133982" cy="369332"/>
-          </a:xfrm>
-          <a:prstGeom prst="rect">
-            <a:avLst/>
-          </a:prstGeom>
-          <a:noFill/>
-        </p:spPr>
-        <p:txBody>
-          <a:bodyPr wrap="none" rtlCol="0">
-            <a:spAutoFit/>
-          </a:bodyPr>
-          <a:lstStyle/>
-          <a:p>
-            <a:r>
-              <a:rPr lang="en-US" dirty="0"/>
-              <a:t>A week in 12/2018:</a:t>
-            </a:r>
-          </a:p>
-        </p:txBody>
-      </p:sp>
-    </p:spTree>
-    <p:extLst>
-      <p:ext uri="{BB962C8B-B14F-4D97-AF65-F5344CB8AC3E}">
-        <p14:creationId xmlns:p14="http://schemas.microsoft.com/office/powerpoint/2010/main" val="484344593"/>
       </p:ext>
     </p:extLst>
   </p:cSld>

--- a/docs/simpleitkHistoricalOverview.pptx
+++ b/docs/simpleitkHistoricalOverview.pptx
@@ -265,7 +265,7 @@
               <a:pPr>
                 <a:defRPr/>
               </a:pPr>
-              <a:t>1/8/19</a:t>
+              <a:t>2/15/19</a:t>
             </a:fld>
             <a:endParaRPr lang="en-US"/>
           </a:p>
@@ -468,7 +468,7 @@
               <a:pPr>
                 <a:defRPr/>
               </a:pPr>
-              <a:t>1/8/19</a:t>
+              <a:t>2/15/19</a:t>
             </a:fld>
             <a:endParaRPr lang="en-US"/>
           </a:p>
@@ -1932,7 +1932,7 @@
               <a:pPr>
                 <a:defRPr/>
               </a:pPr>
-              <a:t>1/8/19</a:t>
+              <a:t>2/15/19</a:t>
             </a:fld>
             <a:endParaRPr lang="en-US"/>
           </a:p>
@@ -2127,7 +2127,7 @@
               <a:pPr>
                 <a:defRPr/>
               </a:pPr>
-              <a:t>1/8/19</a:t>
+              <a:t>2/15/19</a:t>
             </a:fld>
             <a:endParaRPr lang="en-US"/>
           </a:p>
@@ -2332,7 +2332,7 @@
               <a:pPr>
                 <a:defRPr/>
               </a:pPr>
-              <a:t>1/8/19</a:t>
+              <a:t>2/15/19</a:t>
             </a:fld>
             <a:endParaRPr lang="en-US"/>
           </a:p>
@@ -2596,7 +2596,7 @@
               <a:pPr>
                 <a:defRPr/>
               </a:pPr>
-              <a:t>1/8/19</a:t>
+              <a:t>2/15/19</a:t>
             </a:fld>
             <a:endParaRPr lang="en-US"/>
           </a:p>
@@ -2868,7 +2868,7 @@
               <a:pPr>
                 <a:defRPr/>
               </a:pPr>
-              <a:t>1/8/19</a:t>
+              <a:t>2/15/19</a:t>
             </a:fld>
             <a:endParaRPr lang="en-US"/>
           </a:p>
@@ -3249,7 +3249,7 @@
               <a:pPr>
                 <a:defRPr/>
               </a:pPr>
-              <a:t>1/8/19</a:t>
+              <a:t>2/15/19</a:t>
             </a:fld>
             <a:endParaRPr lang="en-US"/>
           </a:p>
@@ -3764,7 +3764,7 @@
               <a:pPr>
                 <a:defRPr/>
               </a:pPr>
-              <a:t>1/8/19</a:t>
+              <a:t>2/15/19</a:t>
             </a:fld>
             <a:endParaRPr lang="en-US"/>
           </a:p>
@@ -3977,7 +3977,7 @@
               <a:pPr>
                 <a:defRPr/>
               </a:pPr>
-              <a:t>1/8/19</a:t>
+              <a:t>2/15/19</a:t>
             </a:fld>
             <a:endParaRPr lang="en-US"/>
           </a:p>
@@ -4099,7 +4099,7 @@
               <a:pPr>
                 <a:defRPr/>
               </a:pPr>
-              <a:t>1/8/19</a:t>
+              <a:t>2/15/19</a:t>
             </a:fld>
             <a:endParaRPr lang="en-US"/>
           </a:p>
@@ -4401,7 +4401,7 @@
               <a:pPr>
                 <a:defRPr/>
               </a:pPr>
-              <a:t>1/8/19</a:t>
+              <a:t>2/15/19</a:t>
             </a:fld>
             <a:endParaRPr lang="en-US"/>
           </a:p>
@@ -4683,7 +4683,7 @@
               <a:pPr>
                 <a:defRPr/>
               </a:pPr>
-              <a:t>1/8/19</a:t>
+              <a:t>2/15/19</a:t>
             </a:fld>
             <a:endParaRPr lang="en-US"/>
           </a:p>
@@ -4999,7 +4999,7 @@
               <a:pPr>
                 <a:defRPr/>
               </a:pPr>
-              <a:t>1/8/19</a:t>
+              <a:t>2/15/19</a:t>
             </a:fld>
             <a:endParaRPr lang="en-US"/>
           </a:p>
@@ -5861,7 +5861,7 @@
             </a:r>
             <a:r>
               <a:rPr lang="fi-FI" sz="1800" dirty="0"/>
-              <a:t> &gt; 220, </a:t>
+              <a:t> &gt; 230, </a:t>
             </a:r>
             <a:r>
               <a:rPr lang="fi-FI" sz="1800" dirty="0" err="1"/>
@@ -5880,7 +5880,7 @@
             </a:r>
             <a:r>
               <a:rPr lang="fi-FI" sz="1800" dirty="0"/>
-              <a:t> &gt;190.</a:t>
+              <a:t> &gt;200.</a:t>
             </a:r>
             <a:endParaRPr lang="en-US" sz="1800" dirty="0"/>
           </a:p>
@@ -5890,15 +5890,7 @@
           <a:p>
             <a:r>
               <a:rPr lang="en-US" sz="1800" dirty="0"/>
-              <a:t>More </a:t>
-            </a:r>
-            <a:r>
-              <a:rPr lang="en-US" sz="1800"/>
-              <a:t>than 197,000 </a:t>
-            </a:r>
-            <a:r>
-              <a:rPr lang="en-US" sz="1800" dirty="0"/>
-              <a:t>downloads since 1/2013.</a:t>
+              <a:t>More than 200,000 downloads since 1/2013.</a:t>
             </a:r>
           </a:p>
         </p:txBody>
@@ -7489,8 +7481,8 @@
         </p:nvSpPr>
         <p:spPr bwMode="auto">
           <a:xfrm>
-            <a:off x="228600" y="402431"/>
-            <a:ext cx="8229600" cy="304800"/>
+            <a:off x="228600" y="402430"/>
+            <a:ext cx="8229600" cy="533399"/>
           </a:xfrm>
           <a:prstGeom prst="rect">
             <a:avLst/>
@@ -7705,6 +7697,20 @@
               </a:rPr>
               <a:t>Image-Guided Procedures, Robotic Interventions, and Modeling Conference</a:t>
             </a:r>
+          </a:p>
+          <a:p>
+            <a:pPr algn="l"/>
+            <a:r>
+              <a:rPr lang="en-US" sz="1400" dirty="0">
+                <a:solidFill>
+                  <a:schemeClr val="tx1"/>
+                </a:solidFill>
+              </a:rPr>
+              <a:t>Room: California</a:t>
+            </a:r>
+          </a:p>
+          <a:p>
+            <a:pPr algn="l"/>
             <a:endParaRPr lang="en-US" sz="2000" dirty="0">
               <a:solidFill>
                 <a:schemeClr val="tx1"/>
